--- a/reference_content/Slides/005_Forest_Ensamble.pptx
+++ b/reference_content/Slides/005_Forest_Ensamble.pptx
@@ -12,8 +12,10 @@
     <p:sldId id="262" r:id="rId6"/>
     <p:sldId id="259" r:id="rId7"/>
     <p:sldId id="261" r:id="rId8"/>
-    <p:sldId id="265" r:id="rId9"/>
-    <p:sldId id="263" r:id="rId10"/>
+    <p:sldId id="271" r:id="rId9"/>
+    <p:sldId id="272" r:id="rId10"/>
+    <p:sldId id="265" r:id="rId11"/>
+    <p:sldId id="263" r:id="rId12"/>
   </p:sldIdLst>
   <p:sldSz cx="12192000" cy="6858000"/>
   <p:notesSz cx="6858000" cy="9144000"/>
@@ -259,7 +261,7 @@
           <a:p>
             <a:fld id="{156F9EFD-ACEF-7249-9847-E06D18B32B36}" type="datetimeFigureOut">
               <a:rPr lang="en-US" smtClean="0"/>
-              <a:t>12/13/24</a:t>
+              <a:t>1/15/25</a:t>
             </a:fld>
             <a:endParaRPr lang="en-US"/>
           </a:p>
@@ -470,7 +472,7 @@
           <a:p>
             <a:fld id="{156F9EFD-ACEF-7249-9847-E06D18B32B36}" type="datetimeFigureOut">
               <a:rPr lang="en-US" smtClean="0"/>
-              <a:t>12/13/24</a:t>
+              <a:t>1/15/25</a:t>
             </a:fld>
             <a:endParaRPr lang="en-US"/>
           </a:p>
@@ -685,7 +687,7 @@
           <a:p>
             <a:fld id="{156F9EFD-ACEF-7249-9847-E06D18B32B36}" type="datetimeFigureOut">
               <a:rPr lang="en-US" smtClean="0"/>
-              <a:t>12/13/24</a:t>
+              <a:t>1/15/25</a:t>
             </a:fld>
             <a:endParaRPr lang="en-US"/>
           </a:p>
@@ -886,7 +888,7 @@
           <a:p>
             <a:fld id="{156F9EFD-ACEF-7249-9847-E06D18B32B36}" type="datetimeFigureOut">
               <a:rPr lang="en-US" smtClean="0"/>
-              <a:t>12/13/24</a:t>
+              <a:t>1/15/25</a:t>
             </a:fld>
             <a:endParaRPr lang="en-US"/>
           </a:p>
@@ -1165,7 +1167,7 @@
           <a:p>
             <a:fld id="{156F9EFD-ACEF-7249-9847-E06D18B32B36}" type="datetimeFigureOut">
               <a:rPr lang="en-US" smtClean="0"/>
-              <a:t>12/13/24</a:t>
+              <a:t>1/15/25</a:t>
             </a:fld>
             <a:endParaRPr lang="en-US"/>
           </a:p>
@@ -1433,7 +1435,7 @@
           <a:p>
             <a:fld id="{156F9EFD-ACEF-7249-9847-E06D18B32B36}" type="datetimeFigureOut">
               <a:rPr lang="en-US" smtClean="0"/>
-              <a:t>12/13/24</a:t>
+              <a:t>1/15/25</a:t>
             </a:fld>
             <a:endParaRPr lang="en-US"/>
           </a:p>
@@ -1849,7 +1851,7 @@
           <a:p>
             <a:fld id="{156F9EFD-ACEF-7249-9847-E06D18B32B36}" type="datetimeFigureOut">
               <a:rPr lang="en-US" smtClean="0"/>
-              <a:t>12/13/24</a:t>
+              <a:t>1/15/25</a:t>
             </a:fld>
             <a:endParaRPr lang="en-US"/>
           </a:p>
@@ -1998,7 +2000,7 @@
           <a:p>
             <a:fld id="{156F9EFD-ACEF-7249-9847-E06D18B32B36}" type="datetimeFigureOut">
               <a:rPr lang="en-US" smtClean="0"/>
-              <a:t>12/13/24</a:t>
+              <a:t>1/15/25</a:t>
             </a:fld>
             <a:endParaRPr lang="en-US"/>
           </a:p>
@@ -2124,7 +2126,7 @@
           <a:p>
             <a:fld id="{156F9EFD-ACEF-7249-9847-E06D18B32B36}" type="datetimeFigureOut">
               <a:rPr lang="en-US" smtClean="0"/>
-              <a:t>12/13/24</a:t>
+              <a:t>1/15/25</a:t>
             </a:fld>
             <a:endParaRPr lang="en-US"/>
           </a:p>
@@ -2375,7 +2377,7 @@
           <a:p>
             <a:fld id="{156F9EFD-ACEF-7249-9847-E06D18B32B36}" type="datetimeFigureOut">
               <a:rPr lang="en-US" smtClean="0"/>
-              <a:t>12/13/24</a:t>
+              <a:t>1/15/25</a:t>
             </a:fld>
             <a:endParaRPr lang="en-US"/>
           </a:p>
@@ -2820,7 +2822,7 @@
           <a:p>
             <a:fld id="{156F9EFD-ACEF-7249-9847-E06D18B32B36}" type="datetimeFigureOut">
               <a:rPr lang="en-US" smtClean="0"/>
-              <a:t>12/13/24</a:t>
+              <a:t>1/15/25</a:t>
             </a:fld>
             <a:endParaRPr lang="en-US"/>
           </a:p>
@@ -3147,7 +3149,7 @@
           <a:p>
             <a:fld id="{156F9EFD-ACEF-7249-9847-E06D18B32B36}" type="datetimeFigureOut">
               <a:rPr lang="en-US" smtClean="0"/>
-              <a:t>12/13/24</a:t>
+              <a:t>1/15/25</a:t>
             </a:fld>
             <a:endParaRPr lang="en-US"/>
           </a:p>
@@ -3683,25 +3685,12 @@
           <a:lstStyle/>
           <a:p>
             <a:r>
+              <a:rPr lang="en-US" dirty="0" err="1"/>
+              <a:t>EDForests</a:t>
+            </a:r>
+            <a:r>
               <a:rPr lang="en-US" dirty="0"/>
-              <a:t>EDA Assignment:</a:t>
-            </a:r>
-          </a:p>
-          <a:p>
-            <a:pPr lvl="1"/>
-            <a:r>
-              <a:rPr lang="en-US" dirty="0" err="1"/>
-              <a:t>Utility_test.ipynb</a:t>
-            </a:r>
-            <a:r>
-              <a:rPr lang="en-US" dirty="0"/>
-              <a:t> in the workbooks repository has a simple test harness. </a:t>
-            </a:r>
-          </a:p>
-          <a:p>
-            <a:r>
-              <a:rPr lang="en-US" dirty="0"/>
-              <a:t>Forests and Ensemble Models</a:t>
+              <a:t> and Ensemble Models</a:t>
             </a:r>
           </a:p>
           <a:p>
@@ -3730,6 +3719,230 @@
     <p:extLst>
       <p:ext uri="{BB962C8B-B14F-4D97-AF65-F5344CB8AC3E}">
         <p14:creationId xmlns:p14="http://schemas.microsoft.com/office/powerpoint/2010/main" val="925641140"/>
+      </p:ext>
+    </p:extLst>
+  </p:cSld>
+  <p:clrMapOvr>
+    <a:masterClrMapping/>
+  </p:clrMapOvr>
+</p:sld>
+</file>
+
+<file path=ppt/slides/slide10.xml><?xml version="1.0" encoding="utf-8"?>
+<p:sld xmlns:a="http://schemas.openxmlformats.org/drawingml/2006/main" xmlns:r="http://schemas.openxmlformats.org/officeDocument/2006/relationships" xmlns:p="http://schemas.openxmlformats.org/presentationml/2006/main">
+  <p:cSld>
+    <p:spTree>
+      <p:nvGrpSpPr>
+        <p:cNvPr id="1" name=""/>
+        <p:cNvGrpSpPr/>
+        <p:nvPr/>
+      </p:nvGrpSpPr>
+      <p:grpSpPr>
+        <a:xfrm>
+          <a:off x="0" y="0"/>
+          <a:ext cx="0" cy="0"/>
+          <a:chOff x="0" y="0"/>
+          <a:chExt cx="0" cy="0"/>
+        </a:xfrm>
+      </p:grpSpPr>
+      <p:sp>
+        <p:nvSpPr>
+          <p:cNvPr id="2" name="Title 1">
+            <a:extLst>
+              <a:ext uri="{FF2B5EF4-FFF2-40B4-BE49-F238E27FC236}">
+                <a16:creationId xmlns:a16="http://schemas.microsoft.com/office/drawing/2014/main" id="{1E00BD2A-0665-D0CA-16FB-C6C7192B2897}"/>
+              </a:ext>
+            </a:extLst>
+          </p:cNvPr>
+          <p:cNvSpPr>
+            <a:spLocks noGrp="1"/>
+          </p:cNvSpPr>
+          <p:nvPr>
+            <p:ph type="title"/>
+          </p:nvPr>
+        </p:nvSpPr>
+        <p:spPr/>
+        <p:txBody>
+          <a:bodyPr/>
+          <a:lstStyle/>
+          <a:p>
+            <a:endParaRPr lang="en-US"/>
+          </a:p>
+        </p:txBody>
+      </p:sp>
+      <p:sp>
+        <p:nvSpPr>
+          <p:cNvPr id="3" name="Content Placeholder 2">
+            <a:extLst>
+              <a:ext uri="{FF2B5EF4-FFF2-40B4-BE49-F238E27FC236}">
+                <a16:creationId xmlns:a16="http://schemas.microsoft.com/office/drawing/2014/main" id="{9A8D02F0-A4B9-1CDB-67DB-9421847528FF}"/>
+              </a:ext>
+            </a:extLst>
+          </p:cNvPr>
+          <p:cNvSpPr>
+            <a:spLocks noGrp="1"/>
+          </p:cNvSpPr>
+          <p:nvPr>
+            <p:ph idx="1"/>
+          </p:nvPr>
+        </p:nvSpPr>
+        <p:spPr/>
+        <p:txBody>
+          <a:bodyPr/>
+          <a:lstStyle/>
+          <a:p>
+            <a:endParaRPr lang="en-US"/>
+          </a:p>
+        </p:txBody>
+      </p:sp>
+    </p:spTree>
+    <p:extLst>
+      <p:ext uri="{BB962C8B-B14F-4D97-AF65-F5344CB8AC3E}">
+        <p14:creationId xmlns:p14="http://schemas.microsoft.com/office/powerpoint/2010/main" val="2396456962"/>
+      </p:ext>
+    </p:extLst>
+  </p:cSld>
+  <p:clrMapOvr>
+    <a:masterClrMapping/>
+  </p:clrMapOvr>
+</p:sld>
+</file>
+
+<file path=ppt/slides/slide11.xml><?xml version="1.0" encoding="utf-8"?>
+<p:sld xmlns:a="http://schemas.openxmlformats.org/drawingml/2006/main" xmlns:r="http://schemas.openxmlformats.org/officeDocument/2006/relationships" xmlns:p="http://schemas.openxmlformats.org/presentationml/2006/main">
+  <p:cSld>
+    <p:spTree>
+      <p:nvGrpSpPr>
+        <p:cNvPr id="1" name=""/>
+        <p:cNvGrpSpPr/>
+        <p:nvPr/>
+      </p:nvGrpSpPr>
+      <p:grpSpPr>
+        <a:xfrm>
+          <a:off x="0" y="0"/>
+          <a:ext cx="0" cy="0"/>
+          <a:chOff x="0" y="0"/>
+          <a:chExt cx="0" cy="0"/>
+        </a:xfrm>
+      </p:grpSpPr>
+      <p:sp>
+        <p:nvSpPr>
+          <p:cNvPr id="2" name="Title 1">
+            <a:extLst>
+              <a:ext uri="{FF2B5EF4-FFF2-40B4-BE49-F238E27FC236}">
+                <a16:creationId xmlns:a16="http://schemas.microsoft.com/office/drawing/2014/main" id="{F957E754-9848-3946-B842-CD18EEA7B15A}"/>
+              </a:ext>
+            </a:extLst>
+          </p:cNvPr>
+          <p:cNvSpPr>
+            <a:spLocks noGrp="1"/>
+          </p:cNvSpPr>
+          <p:nvPr>
+            <p:ph type="title"/>
+          </p:nvPr>
+        </p:nvSpPr>
+        <p:spPr/>
+        <p:txBody>
+          <a:bodyPr/>
+          <a:lstStyle/>
+          <a:p>
+            <a:r>
+              <a:rPr lang="en-US" dirty="0"/>
+              <a:t>Forests</a:t>
+            </a:r>
+          </a:p>
+        </p:txBody>
+      </p:sp>
+      <p:sp>
+        <p:nvSpPr>
+          <p:cNvPr id="3" name="Content Placeholder 2">
+            <a:extLst>
+              <a:ext uri="{FF2B5EF4-FFF2-40B4-BE49-F238E27FC236}">
+                <a16:creationId xmlns:a16="http://schemas.microsoft.com/office/drawing/2014/main" id="{96F535FB-5E8B-B946-9935-528C378D8EED}"/>
+              </a:ext>
+            </a:extLst>
+          </p:cNvPr>
+          <p:cNvSpPr>
+            <a:spLocks noGrp="1"/>
+          </p:cNvSpPr>
+          <p:nvPr>
+            <p:ph idx="1"/>
+          </p:nvPr>
+        </p:nvSpPr>
+        <p:spPr>
+          <a:xfrm>
+            <a:off x="1451579" y="2015732"/>
+            <a:ext cx="9988360" cy="4037749"/>
+          </a:xfrm>
+        </p:spPr>
+        <p:txBody>
+          <a:bodyPr/>
+          <a:lstStyle/>
+          <a:p>
+            <a:r>
+              <a:rPr lang="en-US" dirty="0"/>
+              <a:t>Can be both accurate and simple. </a:t>
+            </a:r>
+          </a:p>
+          <a:p>
+            <a:r>
+              <a:rPr lang="en-US" dirty="0"/>
+              <a:t>Combining multiple models with a specific weakness can mitigate that weakness. </a:t>
+            </a:r>
+          </a:p>
+          <a:p>
+            <a:pPr lvl="1"/>
+            <a:r>
+              <a:rPr lang="en-US" dirty="0"/>
+              <a:t>Trees often overfit if they are accurate. </a:t>
+            </a:r>
+          </a:p>
+          <a:p>
+            <a:pPr lvl="1"/>
+            <a:r>
+              <a:rPr lang="en-US" dirty="0"/>
+              <a:t>Multiple trees from different training sets fights this – it must learn, but some data is missing.</a:t>
+            </a:r>
+          </a:p>
+          <a:p>
+            <a:r>
+              <a:rPr lang="en-US" dirty="0"/>
+              <a:t>Large ensembles can have a time or space concern, they aren’t </a:t>
+            </a:r>
+            <a:r>
+              <a:rPr lang="en-US"/>
+              <a:t>that fast. </a:t>
+            </a:r>
+            <a:endParaRPr lang="en-US" dirty="0"/>
+          </a:p>
+          <a:p>
+            <a:r>
+              <a:rPr lang="en-US" dirty="0"/>
+              <a:t>Boosted (</a:t>
+            </a:r>
+            <a:r>
+              <a:rPr lang="en-US" dirty="0" err="1"/>
+              <a:t>adaboost</a:t>
+            </a:r>
+            <a:r>
+              <a:rPr lang="en-US" dirty="0"/>
+              <a:t>, </a:t>
+            </a:r>
+            <a:r>
+              <a:rPr lang="en-US" dirty="0" err="1"/>
+              <a:t>xgboost</a:t>
+            </a:r>
+            <a:r>
+              <a:rPr lang="en-US" dirty="0"/>
+              <a:t>) tree models that we will talk about later on are very accurate. </a:t>
+            </a:r>
+          </a:p>
+        </p:txBody>
+      </p:sp>
+    </p:spTree>
+    <p:extLst>
+      <p:ext uri="{BB962C8B-B14F-4D97-AF65-F5344CB8AC3E}">
+        <p14:creationId xmlns:p14="http://schemas.microsoft.com/office/powerpoint/2010/main" val="499374061"/>
       </p:ext>
     </p:extLst>
   </p:cSld>
@@ -4859,60 +5072,58 @@
           <a:chExt cx="0" cy="0"/>
         </a:xfrm>
       </p:grpSpPr>
-      <p:sp>
-        <p:nvSpPr>
-          <p:cNvPr id="2" name="Title 1">
+      <p:pic>
+        <p:nvPicPr>
+          <p:cNvPr id="7170" name="Picture 2" descr="Random Forest Regression. Random Forest Regression is a… | by Chaya | Level  Up Coding">
             <a:extLst>
               <a:ext uri="{FF2B5EF4-FFF2-40B4-BE49-F238E27FC236}">
-                <a16:creationId xmlns:a16="http://schemas.microsoft.com/office/drawing/2014/main" id="{1E00BD2A-0665-D0CA-16FB-C6C7192B2897}"/>
+                <a16:creationId xmlns:a16="http://schemas.microsoft.com/office/drawing/2014/main" id="{F7042FD7-56A2-6538-A1F4-C109E12F1CC5}"/>
               </a:ext>
             </a:extLst>
           </p:cNvPr>
-          <p:cNvSpPr>
-            <a:spLocks noGrp="1"/>
-          </p:cNvSpPr>
-          <p:nvPr>
-            <p:ph type="title"/>
-          </p:nvPr>
-        </p:nvSpPr>
-        <p:spPr/>
-        <p:txBody>
-          <a:bodyPr/>
-          <a:lstStyle/>
-          <a:p>
-            <a:endParaRPr lang="en-US"/>
-          </a:p>
-        </p:txBody>
-      </p:sp>
-      <p:sp>
-        <p:nvSpPr>
-          <p:cNvPr id="3" name="Content Placeholder 2">
+          <p:cNvPicPr>
+            <a:picLocks noGrp="1" noChangeAspect="1" noChangeArrowheads="1"/>
+          </p:cNvPicPr>
+          <p:nvPr>
+            <p:ph idx="1"/>
+          </p:nvPr>
+        </p:nvPicPr>
+        <p:blipFill>
+          <a:blip r:embed="rId2">
             <a:extLst>
-              <a:ext uri="{FF2B5EF4-FFF2-40B4-BE49-F238E27FC236}">
-                <a16:creationId xmlns:a16="http://schemas.microsoft.com/office/drawing/2014/main" id="{9A8D02F0-A4B9-1CDB-67DB-9421847528FF}"/>
+              <a:ext uri="{28A0092B-C50C-407E-A947-70E740481C1C}">
+                <a14:useLocalDpi xmlns:a14="http://schemas.microsoft.com/office/drawing/2010/main" val="0"/>
               </a:ext>
             </a:extLst>
-          </p:cNvPr>
-          <p:cNvSpPr>
-            <a:spLocks noGrp="1"/>
-          </p:cNvSpPr>
-          <p:nvPr>
-            <p:ph idx="1"/>
-          </p:nvPr>
-        </p:nvSpPr>
-        <p:spPr/>
-        <p:txBody>
-          <a:bodyPr/>
-          <a:lstStyle/>
-          <a:p>
-            <a:endParaRPr lang="en-US"/>
-          </a:p>
-        </p:txBody>
-      </p:sp>
+          </a:blip>
+          <a:stretch>
+            <a:fillRect/>
+          </a:stretch>
+        </p:blipFill>
+        <p:spPr bwMode="auto">
+          <a:xfrm>
+            <a:off x="1709334" y="643467"/>
+            <a:ext cx="8773331" cy="5571066"/>
+          </a:xfrm>
+          <a:prstGeom prst="rect">
+            <a:avLst/>
+          </a:prstGeom>
+          <a:noFill/>
+          <a:extLst>
+            <a:ext uri="{909E8E84-426E-40DD-AFC4-6F175D3DCCD1}">
+              <a14:hiddenFill xmlns:a14="http://schemas.microsoft.com/office/drawing/2010/main">
+                <a:solidFill>
+                  <a:srgbClr val="FFFFFF"/>
+                </a:solidFill>
+              </a14:hiddenFill>
+            </a:ext>
+          </a:extLst>
+        </p:spPr>
+      </p:pic>
     </p:spTree>
     <p:extLst>
       <p:ext uri="{BB962C8B-B14F-4D97-AF65-F5344CB8AC3E}">
-        <p14:creationId xmlns:p14="http://schemas.microsoft.com/office/powerpoint/2010/main" val="2396456962"/>
+        <p14:creationId xmlns:p14="http://schemas.microsoft.com/office/powerpoint/2010/main" val="1407256639"/>
       </p:ext>
     </p:extLst>
   </p:cSld>
@@ -4986,7 +5197,7 @@
         <p:spPr>
           <a:xfrm>
             <a:off x="1451579" y="2015732"/>
-            <a:ext cx="9988360" cy="4037749"/>
+            <a:ext cx="9603275" cy="3878172"/>
           </a:xfrm>
         </p:spPr>
         <p:txBody>
@@ -4999,6 +5210,13 @@
             </a:r>
           </a:p>
           <a:p>
+            <a:pPr lvl="1"/>
+            <a:r>
+              <a:rPr lang="en-US" dirty="0"/>
+              <a:t>Not really explainable in the same way that trees are though. </a:t>
+            </a:r>
+          </a:p>
+          <a:p>
             <a:r>
               <a:rPr lang="en-US" dirty="0"/>
               <a:t>Combining multiple models with a specific weakness can mitigate that weakness. </a:t>
@@ -5015,19 +5233,8 @@
             <a:pPr lvl="1"/>
             <a:r>
               <a:rPr lang="en-US" dirty="0"/>
-              <a:t>Multiple trees from different training sets fights this – it must learn, but some data is missing.</a:t>
-            </a:r>
-          </a:p>
-          <a:p>
-            <a:r>
-              <a:rPr lang="en-US" dirty="0"/>
-              <a:t>Large ensembles can have a time or space concern, they aren’t </a:t>
-            </a:r>
-            <a:r>
-              <a:rPr lang="en-US"/>
-              <a:t>that fast. </a:t>
-            </a:r>
-            <a:endParaRPr lang="en-US" dirty="0"/>
+              <a:t>Multiple trees from different training sets fights this. </a:t>
+            </a:r>
           </a:p>
           <a:p>
             <a:r>
@@ -5048,7 +5255,7 @@
             </a:r>
             <a:r>
               <a:rPr lang="en-US" dirty="0"/>
-              <a:t>) tree models that we will talk about later on are very accurate. </a:t>
+              <a:t>) tree models are very accurate. </a:t>
             </a:r>
           </a:p>
         </p:txBody>
@@ -5056,7 +5263,7 @@
     </p:spTree>
     <p:extLst>
       <p:ext uri="{BB962C8B-B14F-4D97-AF65-F5344CB8AC3E}">
-        <p14:creationId xmlns:p14="http://schemas.microsoft.com/office/powerpoint/2010/main" val="499374061"/>
+        <p14:creationId xmlns:p14="http://schemas.microsoft.com/office/powerpoint/2010/main" val="2170042117"/>
       </p:ext>
     </p:extLst>
   </p:cSld>

--- a/reference_content/Slides/005_Forest_Ensamble.pptx
+++ b/reference_content/Slides/005_Forest_Ensamble.pptx
@@ -13,9 +13,10 @@
     <p:sldId id="259" r:id="rId7"/>
     <p:sldId id="261" r:id="rId8"/>
     <p:sldId id="271" r:id="rId9"/>
-    <p:sldId id="272" r:id="rId10"/>
-    <p:sldId id="265" r:id="rId11"/>
-    <p:sldId id="263" r:id="rId12"/>
+    <p:sldId id="273" r:id="rId10"/>
+    <p:sldId id="272" r:id="rId11"/>
+    <p:sldId id="265" r:id="rId12"/>
+    <p:sldId id="263" r:id="rId13"/>
   </p:sldIdLst>
   <p:sldSz cx="12192000" cy="6858000"/>
   <p:notesSz cx="6858000" cy="9144000"/>
@@ -261,7 +262,7 @@
           <a:p>
             <a:fld id="{156F9EFD-ACEF-7249-9847-E06D18B32B36}" type="datetimeFigureOut">
               <a:rPr lang="en-US" smtClean="0"/>
-              <a:t>1/15/25</a:t>
+              <a:t>1/16/25</a:t>
             </a:fld>
             <a:endParaRPr lang="en-US"/>
           </a:p>
@@ -472,7 +473,7 @@
           <a:p>
             <a:fld id="{156F9EFD-ACEF-7249-9847-E06D18B32B36}" type="datetimeFigureOut">
               <a:rPr lang="en-US" smtClean="0"/>
-              <a:t>1/15/25</a:t>
+              <a:t>1/16/25</a:t>
             </a:fld>
             <a:endParaRPr lang="en-US"/>
           </a:p>
@@ -687,7 +688,7 @@
           <a:p>
             <a:fld id="{156F9EFD-ACEF-7249-9847-E06D18B32B36}" type="datetimeFigureOut">
               <a:rPr lang="en-US" smtClean="0"/>
-              <a:t>1/15/25</a:t>
+              <a:t>1/16/25</a:t>
             </a:fld>
             <a:endParaRPr lang="en-US"/>
           </a:p>
@@ -888,7 +889,7 @@
           <a:p>
             <a:fld id="{156F9EFD-ACEF-7249-9847-E06D18B32B36}" type="datetimeFigureOut">
               <a:rPr lang="en-US" smtClean="0"/>
-              <a:t>1/15/25</a:t>
+              <a:t>1/16/25</a:t>
             </a:fld>
             <a:endParaRPr lang="en-US"/>
           </a:p>
@@ -1167,7 +1168,7 @@
           <a:p>
             <a:fld id="{156F9EFD-ACEF-7249-9847-E06D18B32B36}" type="datetimeFigureOut">
               <a:rPr lang="en-US" smtClean="0"/>
-              <a:t>1/15/25</a:t>
+              <a:t>1/16/25</a:t>
             </a:fld>
             <a:endParaRPr lang="en-US"/>
           </a:p>
@@ -1435,7 +1436,7 @@
           <a:p>
             <a:fld id="{156F9EFD-ACEF-7249-9847-E06D18B32B36}" type="datetimeFigureOut">
               <a:rPr lang="en-US" smtClean="0"/>
-              <a:t>1/15/25</a:t>
+              <a:t>1/16/25</a:t>
             </a:fld>
             <a:endParaRPr lang="en-US"/>
           </a:p>
@@ -1851,7 +1852,7 @@
           <a:p>
             <a:fld id="{156F9EFD-ACEF-7249-9847-E06D18B32B36}" type="datetimeFigureOut">
               <a:rPr lang="en-US" smtClean="0"/>
-              <a:t>1/15/25</a:t>
+              <a:t>1/16/25</a:t>
             </a:fld>
             <a:endParaRPr lang="en-US"/>
           </a:p>
@@ -2000,7 +2001,7 @@
           <a:p>
             <a:fld id="{156F9EFD-ACEF-7249-9847-E06D18B32B36}" type="datetimeFigureOut">
               <a:rPr lang="en-US" smtClean="0"/>
-              <a:t>1/15/25</a:t>
+              <a:t>1/16/25</a:t>
             </a:fld>
             <a:endParaRPr lang="en-US"/>
           </a:p>
@@ -2126,7 +2127,7 @@
           <a:p>
             <a:fld id="{156F9EFD-ACEF-7249-9847-E06D18B32B36}" type="datetimeFigureOut">
               <a:rPr lang="en-US" smtClean="0"/>
-              <a:t>1/15/25</a:t>
+              <a:t>1/16/25</a:t>
             </a:fld>
             <a:endParaRPr lang="en-US"/>
           </a:p>
@@ -2377,7 +2378,7 @@
           <a:p>
             <a:fld id="{156F9EFD-ACEF-7249-9847-E06D18B32B36}" type="datetimeFigureOut">
               <a:rPr lang="en-US" smtClean="0"/>
-              <a:t>1/15/25</a:t>
+              <a:t>1/16/25</a:t>
             </a:fld>
             <a:endParaRPr lang="en-US"/>
           </a:p>
@@ -2822,7 +2823,7 @@
           <a:p>
             <a:fld id="{156F9EFD-ACEF-7249-9847-E06D18B32B36}" type="datetimeFigureOut">
               <a:rPr lang="en-US" smtClean="0"/>
-              <a:t>1/15/25</a:t>
+              <a:t>1/16/25</a:t>
             </a:fld>
             <a:endParaRPr lang="en-US"/>
           </a:p>
@@ -3149,7 +3150,7 @@
           <a:p>
             <a:fld id="{156F9EFD-ACEF-7249-9847-E06D18B32B36}" type="datetimeFigureOut">
               <a:rPr lang="en-US" smtClean="0"/>
-              <a:t>1/15/25</a:t>
+              <a:t>1/16/25</a:t>
             </a:fld>
             <a:endParaRPr lang="en-US"/>
           </a:p>
@@ -3729,7 +3730,7 @@
 </file>
 
 <file path=ppt/slides/slide10.xml><?xml version="1.0" encoding="utf-8"?>
-<p:sld xmlns:a="http://schemas.openxmlformats.org/drawingml/2006/main" xmlns:r="http://schemas.openxmlformats.org/officeDocument/2006/relationships" xmlns:p="http://schemas.openxmlformats.org/presentationml/2006/main">
+<p:sld xmlns:a="http://schemas.openxmlformats.org/drawingml/2006/main" xmlns:r="http://schemas.openxmlformats.org/officeDocument/2006/relationships" xmlns:p="http://schemas.openxmlformats.org/presentationml/2006/main" show="0">
   <p:cSld>
     <p:spTree>
       <p:nvGrpSpPr>
@@ -3750,7 +3751,7 @@
           <p:cNvPr id="2" name="Title 1">
             <a:extLst>
               <a:ext uri="{FF2B5EF4-FFF2-40B4-BE49-F238E27FC236}">
-                <a16:creationId xmlns:a16="http://schemas.microsoft.com/office/drawing/2014/main" id="{1E00BD2A-0665-D0CA-16FB-C6C7192B2897}"/>
+                <a16:creationId xmlns:a16="http://schemas.microsoft.com/office/drawing/2014/main" id="{F957E754-9848-3946-B842-CD18EEA7B15A}"/>
               </a:ext>
             </a:extLst>
           </p:cNvPr>
@@ -3766,7 +3767,10 @@
           <a:bodyPr/>
           <a:lstStyle/>
           <a:p>
-            <a:endParaRPr lang="en-US"/>
+            <a:r>
+              <a:rPr lang="en-US" dirty="0"/>
+              <a:t>Forests</a:t>
+            </a:r>
           </a:p>
         </p:txBody>
       </p:sp>
@@ -3775,7 +3779,7 @@
           <p:cNvPr id="3" name="Content Placeholder 2">
             <a:extLst>
               <a:ext uri="{FF2B5EF4-FFF2-40B4-BE49-F238E27FC236}">
-                <a16:creationId xmlns:a16="http://schemas.microsoft.com/office/drawing/2014/main" id="{9A8D02F0-A4B9-1CDB-67DB-9421847528FF}"/>
+                <a16:creationId xmlns:a16="http://schemas.microsoft.com/office/drawing/2014/main" id="{96F535FB-5E8B-B946-9935-528C378D8EED}"/>
               </a:ext>
             </a:extLst>
           </p:cNvPr>
@@ -3786,19 +3790,76 @@
             <p:ph idx="1"/>
           </p:nvPr>
         </p:nvSpPr>
-        <p:spPr/>
-        <p:txBody>
-          <a:bodyPr/>
-          <a:lstStyle/>
-          <a:p>
-            <a:endParaRPr lang="en-US"/>
+        <p:spPr>
+          <a:xfrm>
+            <a:off x="1451579" y="2015732"/>
+            <a:ext cx="9603275" cy="3878172"/>
+          </a:xfrm>
+        </p:spPr>
+        <p:txBody>
+          <a:bodyPr/>
+          <a:lstStyle/>
+          <a:p>
+            <a:r>
+              <a:rPr lang="en-US" dirty="0"/>
+              <a:t>Can be both accurate and simple. </a:t>
+            </a:r>
+          </a:p>
+          <a:p>
+            <a:pPr lvl="1"/>
+            <a:r>
+              <a:rPr lang="en-US" dirty="0"/>
+              <a:t>Not really explainable in the same way that trees are though. </a:t>
+            </a:r>
+          </a:p>
+          <a:p>
+            <a:r>
+              <a:rPr lang="en-US" dirty="0"/>
+              <a:t>Combining multiple models with a specific weakness can mitigate that weakness. </a:t>
+            </a:r>
+          </a:p>
+          <a:p>
+            <a:pPr lvl="1"/>
+            <a:r>
+              <a:rPr lang="en-US" dirty="0"/>
+              <a:t>Trees often overfit if they are accurate. </a:t>
+            </a:r>
+          </a:p>
+          <a:p>
+            <a:pPr lvl="1"/>
+            <a:r>
+              <a:rPr lang="en-US" dirty="0"/>
+              <a:t>Multiple trees from different training sets fights this. </a:t>
+            </a:r>
+          </a:p>
+          <a:p>
+            <a:r>
+              <a:rPr lang="en-US" dirty="0"/>
+              <a:t>Boosted (</a:t>
+            </a:r>
+            <a:r>
+              <a:rPr lang="en-US" dirty="0" err="1"/>
+              <a:t>adaboost</a:t>
+            </a:r>
+            <a:r>
+              <a:rPr lang="en-US" dirty="0"/>
+              <a:t>, </a:t>
+            </a:r>
+            <a:r>
+              <a:rPr lang="en-US" dirty="0" err="1"/>
+              <a:t>xgboost</a:t>
+            </a:r>
+            <a:r>
+              <a:rPr lang="en-US" dirty="0"/>
+              <a:t>) tree models are very accurate. </a:t>
+            </a:r>
           </a:p>
         </p:txBody>
       </p:sp>
     </p:spTree>
     <p:extLst>
       <p:ext uri="{BB962C8B-B14F-4D97-AF65-F5344CB8AC3E}">
-        <p14:creationId xmlns:p14="http://schemas.microsoft.com/office/powerpoint/2010/main" val="2396456962"/>
+        <p14:creationId xmlns:p14="http://schemas.microsoft.com/office/powerpoint/2010/main" val="2170042117"/>
       </p:ext>
     </p:extLst>
   </p:cSld>
@@ -3830,6 +3891,123 @@
           <p:cNvPr id="2" name="Title 1">
             <a:extLst>
               <a:ext uri="{FF2B5EF4-FFF2-40B4-BE49-F238E27FC236}">
+                <a16:creationId xmlns:a16="http://schemas.microsoft.com/office/drawing/2014/main" id="{1E00BD2A-0665-D0CA-16FB-C6C7192B2897}"/>
+              </a:ext>
+            </a:extLst>
+          </p:cNvPr>
+          <p:cNvSpPr>
+            <a:spLocks noGrp="1"/>
+          </p:cNvSpPr>
+          <p:nvPr>
+            <p:ph type="title"/>
+          </p:nvPr>
+        </p:nvSpPr>
+        <p:spPr/>
+        <p:txBody>
+          <a:bodyPr/>
+          <a:lstStyle/>
+          <a:p>
+            <a:r>
+              <a:rPr lang="en-US" dirty="0"/>
+              <a:t>Don’t Boost it!</a:t>
+            </a:r>
+          </a:p>
+        </p:txBody>
+      </p:sp>
+      <p:sp>
+        <p:nvSpPr>
+          <p:cNvPr id="3" name="Content Placeholder 2">
+            <a:extLst>
+              <a:ext uri="{FF2B5EF4-FFF2-40B4-BE49-F238E27FC236}">
+                <a16:creationId xmlns:a16="http://schemas.microsoft.com/office/drawing/2014/main" id="{9A8D02F0-A4B9-1CDB-67DB-9421847528FF}"/>
+              </a:ext>
+            </a:extLst>
+          </p:cNvPr>
+          <p:cNvSpPr>
+            <a:spLocks noGrp="1"/>
+          </p:cNvSpPr>
+          <p:nvPr>
+            <p:ph idx="1"/>
+          </p:nvPr>
+        </p:nvSpPr>
+        <p:spPr>
+          <a:xfrm>
+            <a:off x="1451579" y="2015732"/>
+            <a:ext cx="9603275" cy="4037749"/>
+          </a:xfrm>
+        </p:spPr>
+        <p:txBody>
+          <a:bodyPr/>
+          <a:lstStyle/>
+          <a:p>
+            <a:r>
+              <a:rPr lang="en-US" dirty="0"/>
+              <a:t>Ensembles have another type – boosting ensembles. </a:t>
+            </a:r>
+          </a:p>
+          <a:p>
+            <a:r>
+              <a:rPr lang="en-US" dirty="0"/>
+              <a:t>Boosting works in sequence - one model feeds the next, each improves slightly. </a:t>
+            </a:r>
+          </a:p>
+          <a:p>
+            <a:pPr lvl="1"/>
+            <a:r>
+              <a:rPr lang="en-US" dirty="0"/>
+              <a:t>Based on weak learners – small simple models that each aren’t that good. </a:t>
+            </a:r>
+          </a:p>
+          <a:p>
+            <a:r>
+              <a:rPr lang="en-US" dirty="0"/>
+              <a:t>We’ll worry about boosted models at the end of the sklearn stuff. </a:t>
+            </a:r>
+          </a:p>
+          <a:p>
+            <a:pPr lvl="1"/>
+            <a:r>
+              <a:rPr lang="en-US" dirty="0"/>
+              <a:t>These models are the ‘best’ for most non-NN things. </a:t>
+            </a:r>
+          </a:p>
+        </p:txBody>
+      </p:sp>
+    </p:spTree>
+    <p:extLst>
+      <p:ext uri="{BB962C8B-B14F-4D97-AF65-F5344CB8AC3E}">
+        <p14:creationId xmlns:p14="http://schemas.microsoft.com/office/powerpoint/2010/main" val="2396456962"/>
+      </p:ext>
+    </p:extLst>
+  </p:cSld>
+  <p:clrMapOvr>
+    <a:masterClrMapping/>
+  </p:clrMapOvr>
+</p:sld>
+</file>
+
+<file path=ppt/slides/slide12.xml><?xml version="1.0" encoding="utf-8"?>
+<p:sld xmlns:a="http://schemas.openxmlformats.org/drawingml/2006/main" xmlns:r="http://schemas.openxmlformats.org/officeDocument/2006/relationships" xmlns:p="http://schemas.openxmlformats.org/presentationml/2006/main">
+  <p:cSld>
+    <p:spTree>
+      <p:nvGrpSpPr>
+        <p:cNvPr id="1" name=""/>
+        <p:cNvGrpSpPr/>
+        <p:nvPr/>
+      </p:nvGrpSpPr>
+      <p:grpSpPr>
+        <a:xfrm>
+          <a:off x="0" y="0"/>
+          <a:ext cx="0" cy="0"/>
+          <a:chOff x="0" y="0"/>
+          <a:chExt cx="0" cy="0"/>
+        </a:xfrm>
+      </p:grpSpPr>
+      <p:sp>
+        <p:nvSpPr>
+          <p:cNvPr id="2" name="Title 1">
+            <a:extLst>
+              <a:ext uri="{FF2B5EF4-FFF2-40B4-BE49-F238E27FC236}">
                 <a16:creationId xmlns:a16="http://schemas.microsoft.com/office/drawing/2014/main" id="{F957E754-9848-3946-B842-CD18EEA7B15A}"/>
               </a:ext>
             </a:extLst>
@@ -3907,13 +4085,15 @@
           <a:p>
             <a:r>
               <a:rPr lang="en-US" dirty="0"/>
-              <a:t>Large ensembles can have a time or space concern, they aren’t </a:t>
-            </a:r>
-            <a:r>
-              <a:rPr lang="en-US"/>
-              <a:t>that fast. </a:t>
-            </a:r>
-            <a:endParaRPr lang="en-US" dirty="0"/>
+              <a:t>Large ensembles can have a time or space concern, they aren’t that fast. </a:t>
+            </a:r>
+          </a:p>
+          <a:p>
+            <a:pPr lvl="1"/>
+            <a:r>
+              <a:rPr lang="en-US" dirty="0"/>
+              <a:t>Highly parallelized code and many cores can accelerate this in places. </a:t>
+            </a:r>
           </a:p>
           <a:p>
             <a:r>
@@ -4389,8 +4569,8 @@
         </p:nvSpPr>
         <p:spPr>
           <a:xfrm>
-            <a:off x="665923" y="1853754"/>
-            <a:ext cx="8522528" cy="4301719"/>
+            <a:off x="0" y="1853754"/>
+            <a:ext cx="9188451" cy="4301719"/>
           </a:xfrm>
         </p:spPr>
         <p:txBody>
@@ -5155,7 +5335,7 @@
           <p:cNvPr id="2" name="Title 1">
             <a:extLst>
               <a:ext uri="{FF2B5EF4-FFF2-40B4-BE49-F238E27FC236}">
-                <a16:creationId xmlns:a16="http://schemas.microsoft.com/office/drawing/2014/main" id="{F957E754-9848-3946-B842-CD18EEA7B15A}"/>
+                <a16:creationId xmlns:a16="http://schemas.microsoft.com/office/drawing/2014/main" id="{A94E7D65-8D9F-C838-FE7D-015E0202DAD1}"/>
               </a:ext>
             </a:extLst>
           </p:cNvPr>
@@ -5173,7 +5353,7 @@
           <a:p>
             <a:r>
               <a:rPr lang="en-US" dirty="0"/>
-              <a:t>Forests</a:t>
+              <a:t>Forests Against Overfitting</a:t>
             </a:r>
           </a:p>
         </p:txBody>
@@ -5183,7 +5363,7 @@
           <p:cNvPr id="3" name="Content Placeholder 2">
             <a:extLst>
               <a:ext uri="{FF2B5EF4-FFF2-40B4-BE49-F238E27FC236}">
-                <a16:creationId xmlns:a16="http://schemas.microsoft.com/office/drawing/2014/main" id="{96F535FB-5E8B-B946-9935-528C378D8EED}"/>
+                <a16:creationId xmlns:a16="http://schemas.microsoft.com/office/drawing/2014/main" id="{678C5B5D-35BD-314A-454F-0326FD5A5FBC}"/>
               </a:ext>
             </a:extLst>
           </p:cNvPr>
@@ -5196,66 +5376,71 @@
         </p:nvSpPr>
         <p:spPr>
           <a:xfrm>
-            <a:off x="1451579" y="2015732"/>
-            <a:ext cx="9603275" cy="3878172"/>
+            <a:off x="944217" y="1853754"/>
+            <a:ext cx="10893287" cy="4199727"/>
           </a:xfrm>
         </p:spPr>
         <p:txBody>
-          <a:bodyPr/>
-          <a:lstStyle/>
-          <a:p>
-            <a:r>
-              <a:rPr lang="en-US" dirty="0"/>
-              <a:t>Can be both accurate and simple. </a:t>
+          <a:bodyPr>
+            <a:normAutofit/>
+          </a:bodyPr>
+          <a:lstStyle/>
+          <a:p>
+            <a:r>
+              <a:rPr lang="en-US" dirty="0"/>
+              <a:t>Forest model are more resilient to overfitting than individual trees. </a:t>
+            </a:r>
+          </a:p>
+          <a:p>
+            <a:r>
+              <a:rPr lang="en-US" dirty="0"/>
+              <a:t>Trees tend to overfit by splitting nodes by less important features to get slightly better. </a:t>
             </a:r>
           </a:p>
           <a:p>
             <a:pPr lvl="1"/>
             <a:r>
               <a:rPr lang="en-US" dirty="0"/>
-              <a:t>Not really explainable in the same way that trees are though. </a:t>
-            </a:r>
-          </a:p>
-          <a:p>
-            <a:r>
-              <a:rPr lang="en-US" dirty="0"/>
-              <a:t>Combining multiple models with a specific weakness can mitigate that weakness. </a:t>
+              <a:t>By definition, it is looking at the less important stuff to separate similar records. </a:t>
+            </a:r>
+          </a:p>
+          <a:p>
+            <a:r>
+              <a:rPr lang="en-US" dirty="0"/>
+              <a:t>Forests give each model a slightly different training data set. </a:t>
             </a:r>
           </a:p>
           <a:p>
             <a:pPr lvl="1"/>
             <a:r>
               <a:rPr lang="en-US" dirty="0"/>
-              <a:t>Trees often overfit if they are accurate. </a:t>
+              <a:t>Only some models will be able to overfit (in any particular way) since they don’t all have the data. </a:t>
             </a:r>
           </a:p>
           <a:p>
             <a:pPr lvl="1"/>
             <a:r>
               <a:rPr lang="en-US" dirty="0"/>
-              <a:t>Multiple trees from different training sets fights this. </a:t>
-            </a:r>
-          </a:p>
-          <a:p>
-            <a:r>
-              <a:rPr lang="en-US" dirty="0"/>
-              <a:t>Boosted (</a:t>
-            </a:r>
-            <a:r>
-              <a:rPr lang="en-US" dirty="0" err="1"/>
-              <a:t>adaboost</a:t>
-            </a:r>
-            <a:r>
-              <a:rPr lang="en-US" dirty="0"/>
-              <a:t>, </a:t>
-            </a:r>
-            <a:r>
-              <a:rPr lang="en-US" dirty="0" err="1"/>
-              <a:t>xgboost</a:t>
-            </a:r>
-            <a:r>
-              <a:rPr lang="en-US" dirty="0"/>
-              <a:t>) tree models are very accurate. </a:t>
+              <a:t>The final result is a vote of all the models. </a:t>
+            </a:r>
+          </a:p>
+          <a:p>
+            <a:r>
+              <a:rPr lang="en-US" dirty="0"/>
+              <a:t>Even if some trees overfit, that can be overcome as those will ‘loose the vote’ of all trees. </a:t>
+            </a:r>
+          </a:p>
+          <a:p>
+            <a:r>
+              <a:rPr lang="en-US" dirty="0"/>
+              <a:t>Only ‘trends’ in the data that exist in many of the models will persist. </a:t>
+            </a:r>
+          </a:p>
+          <a:p>
+            <a:pPr lvl="1"/>
+            <a:r>
+              <a:rPr lang="en-US" dirty="0"/>
+              <a:t>We’re using the instability of the tree for us – each tree is different, but the ‘overlap’ persists in the model. </a:t>
             </a:r>
           </a:p>
         </p:txBody>
@@ -5263,7 +5448,7 @@
     </p:spTree>
     <p:extLst>
       <p:ext uri="{BB962C8B-B14F-4D97-AF65-F5344CB8AC3E}">
-        <p14:creationId xmlns:p14="http://schemas.microsoft.com/office/powerpoint/2010/main" val="2170042117"/>
+        <p14:creationId xmlns:p14="http://schemas.microsoft.com/office/powerpoint/2010/main" val="1986651203"/>
       </p:ext>
     </p:extLst>
   </p:cSld>
